--- a/PPT/(20.07.20)뉴로모픽 Scikitlearn-ONNXRuntime+지능형컴포넌트1.pptx
+++ b/PPT/(20.07.20)뉴로모픽 Scikitlearn-ONNXRuntime+지능형컴포넌트1.pptx
@@ -230,7 +230,7 @@
           <a:p>
             <a:fld id="{83867DA1-25EE-41A3-BC06-58365A12C97A}" type="datetimeFigureOut">
               <a:rPr lang="ko-KR" altLang="en-US" smtClean="0"/>
-              <a:t>2020-07-20</a:t>
+              <a:t>2020-08-09</a:t>
             </a:fld>
             <a:endParaRPr lang="ko-KR" altLang="en-US"/>
           </a:p>
@@ -731,6 +731,90 @@
           <a:p>
             <a:fld id="{A0BD500A-580F-4BEB-B2A4-8F944A5748C7}" type="slidenum">
               <a:rPr lang="ko-KR" altLang="en-US" smtClean="0"/>
+              <a:t>19</a:t>
+            </a:fld>
+            <a:endParaRPr lang="ko-KR" altLang="en-US"/>
+          </a:p>
+        </p:txBody>
+      </p:sp>
+    </p:spTree>
+    <p:extLst>
+      <p:ext uri="{BB962C8B-B14F-4D97-AF65-F5344CB8AC3E}">
+        <p14:creationId xmlns:p14="http://schemas.microsoft.com/office/powerpoint/2010/main" val="5593475"/>
+      </p:ext>
+    </p:extLst>
+  </p:cSld>
+  <p:clrMapOvr>
+    <a:masterClrMapping/>
+  </p:clrMapOvr>
+</p:notes>
+</file>
+
+<file path=ppt/notesSlides/notesSlide12.xml><?xml version="1.0" encoding="utf-8"?>
+<p:notes xmlns:a="http://schemas.openxmlformats.org/drawingml/2006/main" xmlns:r="http://schemas.openxmlformats.org/officeDocument/2006/relationships" xmlns:p="http://schemas.openxmlformats.org/presentationml/2006/main">
+  <p:cSld>
+    <p:spTree>
+      <p:nvGrpSpPr>
+        <p:cNvPr id="1" name=""/>
+        <p:cNvGrpSpPr/>
+        <p:nvPr/>
+      </p:nvGrpSpPr>
+      <p:grpSpPr>
+        <a:xfrm>
+          <a:off x="0" y="0"/>
+          <a:ext cx="0" cy="0"/>
+          <a:chOff x="0" y="0"/>
+          <a:chExt cx="0" cy="0"/>
+        </a:xfrm>
+      </p:grpSpPr>
+      <p:sp>
+        <p:nvSpPr>
+          <p:cNvPr id="2" name="슬라이드 이미지 개체 틀 1"/>
+          <p:cNvSpPr>
+            <a:spLocks noGrp="1" noRot="1" noChangeAspect="1"/>
+          </p:cNvSpPr>
+          <p:nvPr>
+            <p:ph type="sldImg"/>
+          </p:nvPr>
+        </p:nvSpPr>
+        <p:spPr/>
+      </p:sp>
+      <p:sp>
+        <p:nvSpPr>
+          <p:cNvPr id="3" name="슬라이드 노트 개체 틀 2"/>
+          <p:cNvSpPr>
+            <a:spLocks noGrp="1"/>
+          </p:cNvSpPr>
+          <p:nvPr>
+            <p:ph type="body" idx="1"/>
+          </p:nvPr>
+        </p:nvSpPr>
+        <p:spPr/>
+        <p:txBody>
+          <a:bodyPr/>
+          <a:lstStyle/>
+          <a:p>
+            <a:endParaRPr lang="ko-KR" altLang="en-US" dirty="0"/>
+          </a:p>
+        </p:txBody>
+      </p:sp>
+      <p:sp>
+        <p:nvSpPr>
+          <p:cNvPr id="4" name="슬라이드 번호 개체 틀 3"/>
+          <p:cNvSpPr>
+            <a:spLocks noGrp="1"/>
+          </p:cNvSpPr>
+          <p:nvPr>
+            <p:ph type="sldNum" sz="quarter" idx="10"/>
+          </p:nvPr>
+        </p:nvSpPr>
+        <p:spPr/>
+        <p:txBody>
+          <a:bodyPr/>
+          <a:lstStyle/>
+          <a:p>
+            <a:fld id="{A0BD500A-580F-4BEB-B2A4-8F944A5748C7}" type="slidenum">
+              <a:rPr lang="ko-KR" altLang="en-US" smtClean="0"/>
               <a:t>20</a:t>
             </a:fld>
             <a:endParaRPr lang="ko-KR" altLang="en-US"/>
@@ -2010,7 +2094,7 @@
           <a:p>
             <a:fld id="{5B66E229-F026-4F6F-B35B-4F4854604425}" type="datetimeFigureOut">
               <a:rPr lang="ko-KR" altLang="en-US" smtClean="0"/>
-              <a:t>2020-07-20</a:t>
+              <a:t>2020-08-09</a:t>
             </a:fld>
             <a:endParaRPr lang="ko-KR" altLang="en-US"/>
           </a:p>
@@ -2180,7 +2264,7 @@
           <a:p>
             <a:fld id="{5B66E229-F026-4F6F-B35B-4F4854604425}" type="datetimeFigureOut">
               <a:rPr lang="ko-KR" altLang="en-US" smtClean="0"/>
-              <a:t>2020-07-20</a:t>
+              <a:t>2020-08-09</a:t>
             </a:fld>
             <a:endParaRPr lang="ko-KR" altLang="en-US"/>
           </a:p>
@@ -2360,7 +2444,7 @@
           <a:p>
             <a:fld id="{5B66E229-F026-4F6F-B35B-4F4854604425}" type="datetimeFigureOut">
               <a:rPr lang="ko-KR" altLang="en-US" smtClean="0"/>
-              <a:t>2020-07-20</a:t>
+              <a:t>2020-08-09</a:t>
             </a:fld>
             <a:endParaRPr lang="ko-KR" altLang="en-US"/>
           </a:p>
@@ -2530,7 +2614,7 @@
           <a:p>
             <a:fld id="{5B66E229-F026-4F6F-B35B-4F4854604425}" type="datetimeFigureOut">
               <a:rPr lang="ko-KR" altLang="en-US" smtClean="0"/>
-              <a:t>2020-07-20</a:t>
+              <a:t>2020-08-09</a:t>
             </a:fld>
             <a:endParaRPr lang="ko-KR" altLang="en-US"/>
           </a:p>
@@ -2776,7 +2860,7 @@
           <a:p>
             <a:fld id="{5B66E229-F026-4F6F-B35B-4F4854604425}" type="datetimeFigureOut">
               <a:rPr lang="ko-KR" altLang="en-US" smtClean="0"/>
-              <a:t>2020-07-20</a:t>
+              <a:t>2020-08-09</a:t>
             </a:fld>
             <a:endParaRPr lang="ko-KR" altLang="en-US"/>
           </a:p>
@@ -3008,7 +3092,7 @@
           <a:p>
             <a:fld id="{5B66E229-F026-4F6F-B35B-4F4854604425}" type="datetimeFigureOut">
               <a:rPr lang="ko-KR" altLang="en-US" smtClean="0"/>
-              <a:t>2020-07-20</a:t>
+              <a:t>2020-08-09</a:t>
             </a:fld>
             <a:endParaRPr lang="ko-KR" altLang="en-US"/>
           </a:p>
@@ -3375,7 +3459,7 @@
           <a:p>
             <a:fld id="{5B66E229-F026-4F6F-B35B-4F4854604425}" type="datetimeFigureOut">
               <a:rPr lang="ko-KR" altLang="en-US" smtClean="0"/>
-              <a:t>2020-07-20</a:t>
+              <a:t>2020-08-09</a:t>
             </a:fld>
             <a:endParaRPr lang="ko-KR" altLang="en-US"/>
           </a:p>
@@ -3493,7 +3577,7 @@
           <a:p>
             <a:fld id="{5B66E229-F026-4F6F-B35B-4F4854604425}" type="datetimeFigureOut">
               <a:rPr lang="ko-KR" altLang="en-US" smtClean="0"/>
-              <a:t>2020-07-20</a:t>
+              <a:t>2020-08-09</a:t>
             </a:fld>
             <a:endParaRPr lang="ko-KR" altLang="en-US"/>
           </a:p>
@@ -3588,7 +3672,7 @@
           <a:p>
             <a:fld id="{5B66E229-F026-4F6F-B35B-4F4854604425}" type="datetimeFigureOut">
               <a:rPr lang="ko-KR" altLang="en-US" smtClean="0"/>
-              <a:t>2020-07-20</a:t>
+              <a:t>2020-08-09</a:t>
             </a:fld>
             <a:endParaRPr lang="ko-KR" altLang="en-US"/>
           </a:p>
@@ -3865,7 +3949,7 @@
           <a:p>
             <a:fld id="{5B66E229-F026-4F6F-B35B-4F4854604425}" type="datetimeFigureOut">
               <a:rPr lang="ko-KR" altLang="en-US" smtClean="0"/>
-              <a:t>2020-07-20</a:t>
+              <a:t>2020-08-09</a:t>
             </a:fld>
             <a:endParaRPr lang="ko-KR" altLang="en-US"/>
           </a:p>
@@ -4118,7 +4202,7 @@
           <a:p>
             <a:fld id="{5B66E229-F026-4F6F-B35B-4F4854604425}" type="datetimeFigureOut">
               <a:rPr lang="ko-KR" altLang="en-US" smtClean="0"/>
-              <a:t>2020-07-20</a:t>
+              <a:t>2020-08-09</a:t>
             </a:fld>
             <a:endParaRPr lang="ko-KR" altLang="en-US"/>
           </a:p>
@@ -4331,7 +4415,7 @@
           <a:p>
             <a:fld id="{5B66E229-F026-4F6F-B35B-4F4854604425}" type="datetimeFigureOut">
               <a:rPr lang="ko-KR" altLang="en-US" smtClean="0"/>
-              <a:t>2020-07-20</a:t>
+              <a:t>2020-08-09</a:t>
             </a:fld>
             <a:endParaRPr lang="ko-KR" altLang="en-US"/>
           </a:p>
